--- a/ppt 16-9/1502.进入祢的同在.pptx
+++ b/ppt 16-9/1502.进入祢的同在.pptx
@@ -5,7 +5,7 @@
     <p:sldMasterId id="2147483648" r:id="rId1"/>
   </p:sldMasterIdLst>
   <p:sldIdLst>
-    <p:sldId id="1901" r:id="rId2"/>
+    <p:sldId id="1905" r:id="rId2"/>
   </p:sldIdLst>
   <p:sldSz cx="12192000" cy="6858000"/>
   <p:notesSz cx="6858000" cy="9144000"/>
@@ -129,7 +129,7 @@
           <p:cNvPr id="2" name="标题 1">
             <a:extLst>
               <a:ext uri="{FF2B5EF4-FFF2-40B4-BE49-F238E27FC236}">
-                <a16:creationId xmlns:a16="http://schemas.microsoft.com/office/drawing/2014/main" id="{E41B79D3-EE71-C336-C77F-5C68A49C33BC}"/>
+                <a16:creationId xmlns:a16="http://schemas.microsoft.com/office/drawing/2014/main" id="{9C7C6388-AD3B-D3D9-66F8-D8591EFCB9A6}"/>
               </a:ext>
             </a:extLst>
           </p:cNvPr>
@@ -166,7 +166,7 @@
           <p:cNvPr id="3" name="副标题 2">
             <a:extLst>
               <a:ext uri="{FF2B5EF4-FFF2-40B4-BE49-F238E27FC236}">
-                <a16:creationId xmlns:a16="http://schemas.microsoft.com/office/drawing/2014/main" id="{7405F9B7-A752-B8C3-CD9C-1CA0F3CFF76B}"/>
+                <a16:creationId xmlns:a16="http://schemas.microsoft.com/office/drawing/2014/main" id="{5CEBE20D-7ACB-BFFD-90C8-64B610C4CF62}"/>
               </a:ext>
             </a:extLst>
           </p:cNvPr>
@@ -236,7 +236,7 @@
           <p:cNvPr id="4" name="日期占位符 3">
             <a:extLst>
               <a:ext uri="{FF2B5EF4-FFF2-40B4-BE49-F238E27FC236}">
-                <a16:creationId xmlns:a16="http://schemas.microsoft.com/office/drawing/2014/main" id="{26EE46C2-8840-0D67-F5C0-8FB9EFB86D72}"/>
+                <a16:creationId xmlns:a16="http://schemas.microsoft.com/office/drawing/2014/main" id="{C243DEDF-B29C-8B06-0F8B-8FE90B760CBE}"/>
               </a:ext>
             </a:extLst>
           </p:cNvPr>
@@ -252,7 +252,7 @@
           <a:bodyPr/>
           <a:lstStyle/>
           <a:p>
-            <a:fld id="{BFCCA5C0-13F2-4633-B1C1-90A182555697}" type="datetimeFigureOut">
+            <a:fld id="{92EAB62C-5985-4C87-A5AF-0329D2C498B9}" type="datetimeFigureOut">
               <a:rPr lang="zh-CN" altLang="en-US" smtClean="0"/>
               <a:t>2024/3/10</a:t>
             </a:fld>
@@ -265,7 +265,7 @@
           <p:cNvPr id="5" name="页脚占位符 4">
             <a:extLst>
               <a:ext uri="{FF2B5EF4-FFF2-40B4-BE49-F238E27FC236}">
-                <a16:creationId xmlns:a16="http://schemas.microsoft.com/office/drawing/2014/main" id="{63AE0A12-263A-7BEC-4CE3-5330099065EE}"/>
+                <a16:creationId xmlns:a16="http://schemas.microsoft.com/office/drawing/2014/main" id="{A35CC2EE-FBB9-E1F8-FA47-4CD5D61EC67A}"/>
               </a:ext>
             </a:extLst>
           </p:cNvPr>
@@ -290,7 +290,7 @@
           <p:cNvPr id="6" name="灯片编号占位符 5">
             <a:extLst>
               <a:ext uri="{FF2B5EF4-FFF2-40B4-BE49-F238E27FC236}">
-                <a16:creationId xmlns:a16="http://schemas.microsoft.com/office/drawing/2014/main" id="{59273968-39C3-E117-5D67-E1A7446A1F25}"/>
+                <a16:creationId xmlns:a16="http://schemas.microsoft.com/office/drawing/2014/main" id="{9D6B4FAA-2FB1-65E7-15A7-42C4411F6B7B}"/>
               </a:ext>
             </a:extLst>
           </p:cNvPr>
@@ -306,7 +306,7 @@
           <a:bodyPr/>
           <a:lstStyle/>
           <a:p>
-            <a:fld id="{E6C5439E-298C-4C06-B5E6-D43B28260D19}" type="slidenum">
+            <a:fld id="{DA2DADE2-02A7-4DA8-8723-68D4EDD986E3}" type="slidenum">
               <a:rPr lang="zh-CN" altLang="en-US" smtClean="0"/>
               <a:t>‹#›</a:t>
             </a:fld>
@@ -317,7 +317,7 @@
     </p:spTree>
     <p:extLst>
       <p:ext uri="{BB962C8B-B14F-4D97-AF65-F5344CB8AC3E}">
-        <p14:creationId xmlns:p14="http://schemas.microsoft.com/office/powerpoint/2010/main" val="1034222902"/>
+        <p14:creationId xmlns:p14="http://schemas.microsoft.com/office/powerpoint/2010/main" val="1565291234"/>
       </p:ext>
     </p:extLst>
   </p:cSld>
@@ -349,7 +349,7 @@
           <p:cNvPr id="2" name="标题 1">
             <a:extLst>
               <a:ext uri="{FF2B5EF4-FFF2-40B4-BE49-F238E27FC236}">
-                <a16:creationId xmlns:a16="http://schemas.microsoft.com/office/drawing/2014/main" id="{F13FF2DE-5A28-38FD-8EB9-ECFE7EEC74AB}"/>
+                <a16:creationId xmlns:a16="http://schemas.microsoft.com/office/drawing/2014/main" id="{5943A896-58E2-4C21-B721-20E2B47DF46D}"/>
               </a:ext>
             </a:extLst>
           </p:cNvPr>
@@ -377,7 +377,7 @@
           <p:cNvPr id="3" name="竖排文字占位符 2">
             <a:extLst>
               <a:ext uri="{FF2B5EF4-FFF2-40B4-BE49-F238E27FC236}">
-                <a16:creationId xmlns:a16="http://schemas.microsoft.com/office/drawing/2014/main" id="{86FDA79E-6E19-EA99-9E9D-D4899D93D0C1}"/>
+                <a16:creationId xmlns:a16="http://schemas.microsoft.com/office/drawing/2014/main" id="{B745035E-5F56-9597-3DC7-58DB0AF13E0B}"/>
               </a:ext>
             </a:extLst>
           </p:cNvPr>
@@ -434,7 +434,7 @@
           <p:cNvPr id="4" name="日期占位符 3">
             <a:extLst>
               <a:ext uri="{FF2B5EF4-FFF2-40B4-BE49-F238E27FC236}">
-                <a16:creationId xmlns:a16="http://schemas.microsoft.com/office/drawing/2014/main" id="{3932BDD0-CB55-B910-BD5D-1E2901CC378D}"/>
+                <a16:creationId xmlns:a16="http://schemas.microsoft.com/office/drawing/2014/main" id="{E73D2D78-9621-8D0D-AB53-A52B1F0BDCDE}"/>
               </a:ext>
             </a:extLst>
           </p:cNvPr>
@@ -450,7 +450,7 @@
           <a:bodyPr/>
           <a:lstStyle/>
           <a:p>
-            <a:fld id="{BFCCA5C0-13F2-4633-B1C1-90A182555697}" type="datetimeFigureOut">
+            <a:fld id="{92EAB62C-5985-4C87-A5AF-0329D2C498B9}" type="datetimeFigureOut">
               <a:rPr lang="zh-CN" altLang="en-US" smtClean="0"/>
               <a:t>2024/3/10</a:t>
             </a:fld>
@@ -463,7 +463,7 @@
           <p:cNvPr id="5" name="页脚占位符 4">
             <a:extLst>
               <a:ext uri="{FF2B5EF4-FFF2-40B4-BE49-F238E27FC236}">
-                <a16:creationId xmlns:a16="http://schemas.microsoft.com/office/drawing/2014/main" id="{05F54F3F-2A6A-BC06-F7F3-F9FA4E7E9545}"/>
+                <a16:creationId xmlns:a16="http://schemas.microsoft.com/office/drawing/2014/main" id="{3648BF6C-50DA-B811-6F3D-8124BB464747}"/>
               </a:ext>
             </a:extLst>
           </p:cNvPr>
@@ -488,7 +488,7 @@
           <p:cNvPr id="6" name="灯片编号占位符 5">
             <a:extLst>
               <a:ext uri="{FF2B5EF4-FFF2-40B4-BE49-F238E27FC236}">
-                <a16:creationId xmlns:a16="http://schemas.microsoft.com/office/drawing/2014/main" id="{AB9318AE-7A64-CB2E-E42F-24BECEB1C29D}"/>
+                <a16:creationId xmlns:a16="http://schemas.microsoft.com/office/drawing/2014/main" id="{E5CDA853-3979-C51B-095B-67F6A83CAFDF}"/>
               </a:ext>
             </a:extLst>
           </p:cNvPr>
@@ -504,7 +504,7 @@
           <a:bodyPr/>
           <a:lstStyle/>
           <a:p>
-            <a:fld id="{E6C5439E-298C-4C06-B5E6-D43B28260D19}" type="slidenum">
+            <a:fld id="{DA2DADE2-02A7-4DA8-8723-68D4EDD986E3}" type="slidenum">
               <a:rPr lang="zh-CN" altLang="en-US" smtClean="0"/>
               <a:t>‹#›</a:t>
             </a:fld>
@@ -515,7 +515,7 @@
     </p:spTree>
     <p:extLst>
       <p:ext uri="{BB962C8B-B14F-4D97-AF65-F5344CB8AC3E}">
-        <p14:creationId xmlns:p14="http://schemas.microsoft.com/office/powerpoint/2010/main" val="2061065238"/>
+        <p14:creationId xmlns:p14="http://schemas.microsoft.com/office/powerpoint/2010/main" val="3962295490"/>
       </p:ext>
     </p:extLst>
   </p:cSld>
@@ -547,7 +547,7 @@
           <p:cNvPr id="2" name="竖排标题 1">
             <a:extLst>
               <a:ext uri="{FF2B5EF4-FFF2-40B4-BE49-F238E27FC236}">
-                <a16:creationId xmlns:a16="http://schemas.microsoft.com/office/drawing/2014/main" id="{E18F494C-54A9-0D5D-DEF2-9AD9F87C04F3}"/>
+                <a16:creationId xmlns:a16="http://schemas.microsoft.com/office/drawing/2014/main" id="{CC448153-1C72-44C3-033A-F1E882926806}"/>
               </a:ext>
             </a:extLst>
           </p:cNvPr>
@@ -580,7 +580,7 @@
           <p:cNvPr id="3" name="竖排文字占位符 2">
             <a:extLst>
               <a:ext uri="{FF2B5EF4-FFF2-40B4-BE49-F238E27FC236}">
-                <a16:creationId xmlns:a16="http://schemas.microsoft.com/office/drawing/2014/main" id="{EC058C4D-0612-A55D-DFA7-2A0132A0B2EE}"/>
+                <a16:creationId xmlns:a16="http://schemas.microsoft.com/office/drawing/2014/main" id="{527BE16B-258D-9107-8579-B2617E265D2C}"/>
               </a:ext>
             </a:extLst>
           </p:cNvPr>
@@ -642,7 +642,7 @@
           <p:cNvPr id="4" name="日期占位符 3">
             <a:extLst>
               <a:ext uri="{FF2B5EF4-FFF2-40B4-BE49-F238E27FC236}">
-                <a16:creationId xmlns:a16="http://schemas.microsoft.com/office/drawing/2014/main" id="{2AF4FB8E-241B-7AB3-BA03-41BCA291A2AC}"/>
+                <a16:creationId xmlns:a16="http://schemas.microsoft.com/office/drawing/2014/main" id="{3410CE16-874C-CB05-360F-45C677DBE5F1}"/>
               </a:ext>
             </a:extLst>
           </p:cNvPr>
@@ -658,7 +658,7 @@
           <a:bodyPr/>
           <a:lstStyle/>
           <a:p>
-            <a:fld id="{BFCCA5C0-13F2-4633-B1C1-90A182555697}" type="datetimeFigureOut">
+            <a:fld id="{92EAB62C-5985-4C87-A5AF-0329D2C498B9}" type="datetimeFigureOut">
               <a:rPr lang="zh-CN" altLang="en-US" smtClean="0"/>
               <a:t>2024/3/10</a:t>
             </a:fld>
@@ -671,7 +671,7 @@
           <p:cNvPr id="5" name="页脚占位符 4">
             <a:extLst>
               <a:ext uri="{FF2B5EF4-FFF2-40B4-BE49-F238E27FC236}">
-                <a16:creationId xmlns:a16="http://schemas.microsoft.com/office/drawing/2014/main" id="{C6369F9A-7930-4B84-BB8B-F4D5E79FA3B7}"/>
+                <a16:creationId xmlns:a16="http://schemas.microsoft.com/office/drawing/2014/main" id="{EBD65AD4-F8B9-B2A0-2C91-8831C629C958}"/>
               </a:ext>
             </a:extLst>
           </p:cNvPr>
@@ -696,7 +696,7 @@
           <p:cNvPr id="6" name="灯片编号占位符 5">
             <a:extLst>
               <a:ext uri="{FF2B5EF4-FFF2-40B4-BE49-F238E27FC236}">
-                <a16:creationId xmlns:a16="http://schemas.microsoft.com/office/drawing/2014/main" id="{CFDAD443-62C5-B906-EC25-114DBF5FC89C}"/>
+                <a16:creationId xmlns:a16="http://schemas.microsoft.com/office/drawing/2014/main" id="{DA976AA1-83B1-F716-71A4-C077D70494AF}"/>
               </a:ext>
             </a:extLst>
           </p:cNvPr>
@@ -712,7 +712,7 @@
           <a:bodyPr/>
           <a:lstStyle/>
           <a:p>
-            <a:fld id="{E6C5439E-298C-4C06-B5E6-D43B28260D19}" type="slidenum">
+            <a:fld id="{DA2DADE2-02A7-4DA8-8723-68D4EDD986E3}" type="slidenum">
               <a:rPr lang="zh-CN" altLang="en-US" smtClean="0"/>
               <a:t>‹#›</a:t>
             </a:fld>
@@ -723,7 +723,7 @@
     </p:spTree>
     <p:extLst>
       <p:ext uri="{BB962C8B-B14F-4D97-AF65-F5344CB8AC3E}">
-        <p14:creationId xmlns:p14="http://schemas.microsoft.com/office/powerpoint/2010/main" val="956360474"/>
+        <p14:creationId xmlns:p14="http://schemas.microsoft.com/office/powerpoint/2010/main" val="2661953949"/>
       </p:ext>
     </p:extLst>
   </p:cSld>
@@ -755,7 +755,7 @@
           <p:cNvPr id="2" name="标题 1">
             <a:extLst>
               <a:ext uri="{FF2B5EF4-FFF2-40B4-BE49-F238E27FC236}">
-                <a16:creationId xmlns:a16="http://schemas.microsoft.com/office/drawing/2014/main" id="{C8080B10-D592-25E1-A573-DED3BDE0048E}"/>
+                <a16:creationId xmlns:a16="http://schemas.microsoft.com/office/drawing/2014/main" id="{0E9519D5-ED32-D668-445A-82C67C0D6908}"/>
               </a:ext>
             </a:extLst>
           </p:cNvPr>
@@ -783,7 +783,7 @@
           <p:cNvPr id="3" name="内容占位符 2">
             <a:extLst>
               <a:ext uri="{FF2B5EF4-FFF2-40B4-BE49-F238E27FC236}">
-                <a16:creationId xmlns:a16="http://schemas.microsoft.com/office/drawing/2014/main" id="{4AAACD7E-4E40-EECE-AAC2-2835911ECD5D}"/>
+                <a16:creationId xmlns:a16="http://schemas.microsoft.com/office/drawing/2014/main" id="{202BB7FA-1684-F595-BE03-703926EB97D4}"/>
               </a:ext>
             </a:extLst>
           </p:cNvPr>
@@ -840,7 +840,7 @@
           <p:cNvPr id="4" name="日期占位符 3">
             <a:extLst>
               <a:ext uri="{FF2B5EF4-FFF2-40B4-BE49-F238E27FC236}">
-                <a16:creationId xmlns:a16="http://schemas.microsoft.com/office/drawing/2014/main" id="{0FBD34D8-A2FA-1BFD-0694-AD5A31161A71}"/>
+                <a16:creationId xmlns:a16="http://schemas.microsoft.com/office/drawing/2014/main" id="{F2100D9C-B978-7EFA-8D2E-AE0A5E3C5290}"/>
               </a:ext>
             </a:extLst>
           </p:cNvPr>
@@ -856,7 +856,7 @@
           <a:bodyPr/>
           <a:lstStyle/>
           <a:p>
-            <a:fld id="{BFCCA5C0-13F2-4633-B1C1-90A182555697}" type="datetimeFigureOut">
+            <a:fld id="{92EAB62C-5985-4C87-A5AF-0329D2C498B9}" type="datetimeFigureOut">
               <a:rPr lang="zh-CN" altLang="en-US" smtClean="0"/>
               <a:t>2024/3/10</a:t>
             </a:fld>
@@ -869,7 +869,7 @@
           <p:cNvPr id="5" name="页脚占位符 4">
             <a:extLst>
               <a:ext uri="{FF2B5EF4-FFF2-40B4-BE49-F238E27FC236}">
-                <a16:creationId xmlns:a16="http://schemas.microsoft.com/office/drawing/2014/main" id="{B632EA53-92A2-C4CF-50E8-57EC723240B6}"/>
+                <a16:creationId xmlns:a16="http://schemas.microsoft.com/office/drawing/2014/main" id="{5B3675F3-AFFF-7EBD-9E88-61054AC17461}"/>
               </a:ext>
             </a:extLst>
           </p:cNvPr>
@@ -894,7 +894,7 @@
           <p:cNvPr id="6" name="灯片编号占位符 5">
             <a:extLst>
               <a:ext uri="{FF2B5EF4-FFF2-40B4-BE49-F238E27FC236}">
-                <a16:creationId xmlns:a16="http://schemas.microsoft.com/office/drawing/2014/main" id="{DFF03731-79F5-F9F7-9008-3C5D14D41590}"/>
+                <a16:creationId xmlns:a16="http://schemas.microsoft.com/office/drawing/2014/main" id="{454FBA1E-5BE2-6D67-2EE2-4DFB71A763FF}"/>
               </a:ext>
             </a:extLst>
           </p:cNvPr>
@@ -910,7 +910,7 @@
           <a:bodyPr/>
           <a:lstStyle/>
           <a:p>
-            <a:fld id="{E6C5439E-298C-4C06-B5E6-D43B28260D19}" type="slidenum">
+            <a:fld id="{DA2DADE2-02A7-4DA8-8723-68D4EDD986E3}" type="slidenum">
               <a:rPr lang="zh-CN" altLang="en-US" smtClean="0"/>
               <a:t>‹#›</a:t>
             </a:fld>
@@ -921,7 +921,7 @@
     </p:spTree>
     <p:extLst>
       <p:ext uri="{BB962C8B-B14F-4D97-AF65-F5344CB8AC3E}">
-        <p14:creationId xmlns:p14="http://schemas.microsoft.com/office/powerpoint/2010/main" val="3781167355"/>
+        <p14:creationId xmlns:p14="http://schemas.microsoft.com/office/powerpoint/2010/main" val="436544451"/>
       </p:ext>
     </p:extLst>
   </p:cSld>
@@ -953,7 +953,7 @@
           <p:cNvPr id="2" name="标题 1">
             <a:extLst>
               <a:ext uri="{FF2B5EF4-FFF2-40B4-BE49-F238E27FC236}">
-                <a16:creationId xmlns:a16="http://schemas.microsoft.com/office/drawing/2014/main" id="{BD1A6205-0628-1644-1A7E-3302712EDCDD}"/>
+                <a16:creationId xmlns:a16="http://schemas.microsoft.com/office/drawing/2014/main" id="{A87F16DC-0C07-DD3E-6127-7FA783CAA15E}"/>
               </a:ext>
             </a:extLst>
           </p:cNvPr>
@@ -990,7 +990,7 @@
           <p:cNvPr id="3" name="文本占位符 2">
             <a:extLst>
               <a:ext uri="{FF2B5EF4-FFF2-40B4-BE49-F238E27FC236}">
-                <a16:creationId xmlns:a16="http://schemas.microsoft.com/office/drawing/2014/main" id="{E6DB6BC0-B632-2337-2E32-58CB6F526F93}"/>
+                <a16:creationId xmlns:a16="http://schemas.microsoft.com/office/drawing/2014/main" id="{512D7528-EB4E-D1AB-8857-60FB8880D0C0}"/>
               </a:ext>
             </a:extLst>
           </p:cNvPr>
@@ -1115,7 +1115,7 @@
           <p:cNvPr id="4" name="日期占位符 3">
             <a:extLst>
               <a:ext uri="{FF2B5EF4-FFF2-40B4-BE49-F238E27FC236}">
-                <a16:creationId xmlns:a16="http://schemas.microsoft.com/office/drawing/2014/main" id="{AACCF6FD-B8E3-2022-81E0-072E036638DB}"/>
+                <a16:creationId xmlns:a16="http://schemas.microsoft.com/office/drawing/2014/main" id="{41FD99BC-55B6-0AC1-AD5D-AFF751BC149C}"/>
               </a:ext>
             </a:extLst>
           </p:cNvPr>
@@ -1131,7 +1131,7 @@
           <a:bodyPr/>
           <a:lstStyle/>
           <a:p>
-            <a:fld id="{BFCCA5C0-13F2-4633-B1C1-90A182555697}" type="datetimeFigureOut">
+            <a:fld id="{92EAB62C-5985-4C87-A5AF-0329D2C498B9}" type="datetimeFigureOut">
               <a:rPr lang="zh-CN" altLang="en-US" smtClean="0"/>
               <a:t>2024/3/10</a:t>
             </a:fld>
@@ -1144,7 +1144,7 @@
           <p:cNvPr id="5" name="页脚占位符 4">
             <a:extLst>
               <a:ext uri="{FF2B5EF4-FFF2-40B4-BE49-F238E27FC236}">
-                <a16:creationId xmlns:a16="http://schemas.microsoft.com/office/drawing/2014/main" id="{182CA886-4A06-B414-22D9-7424EB4DEEAB}"/>
+                <a16:creationId xmlns:a16="http://schemas.microsoft.com/office/drawing/2014/main" id="{650599A3-5A43-89F9-A535-F85D7D96A201}"/>
               </a:ext>
             </a:extLst>
           </p:cNvPr>
@@ -1169,7 +1169,7 @@
           <p:cNvPr id="6" name="灯片编号占位符 5">
             <a:extLst>
               <a:ext uri="{FF2B5EF4-FFF2-40B4-BE49-F238E27FC236}">
-                <a16:creationId xmlns:a16="http://schemas.microsoft.com/office/drawing/2014/main" id="{E031F302-A8B1-88EF-2BFD-59FEDB82395D}"/>
+                <a16:creationId xmlns:a16="http://schemas.microsoft.com/office/drawing/2014/main" id="{02B8F3FD-7C7F-0DA8-FE30-1287DD983954}"/>
               </a:ext>
             </a:extLst>
           </p:cNvPr>
@@ -1185,7 +1185,7 @@
           <a:bodyPr/>
           <a:lstStyle/>
           <a:p>
-            <a:fld id="{E6C5439E-298C-4C06-B5E6-D43B28260D19}" type="slidenum">
+            <a:fld id="{DA2DADE2-02A7-4DA8-8723-68D4EDD986E3}" type="slidenum">
               <a:rPr lang="zh-CN" altLang="en-US" smtClean="0"/>
               <a:t>‹#›</a:t>
             </a:fld>
@@ -1196,7 +1196,7 @@
     </p:spTree>
     <p:extLst>
       <p:ext uri="{BB962C8B-B14F-4D97-AF65-F5344CB8AC3E}">
-        <p14:creationId xmlns:p14="http://schemas.microsoft.com/office/powerpoint/2010/main" val="35782187"/>
+        <p14:creationId xmlns:p14="http://schemas.microsoft.com/office/powerpoint/2010/main" val="2356873981"/>
       </p:ext>
     </p:extLst>
   </p:cSld>
@@ -1228,7 +1228,7 @@
           <p:cNvPr id="2" name="标题 1">
             <a:extLst>
               <a:ext uri="{FF2B5EF4-FFF2-40B4-BE49-F238E27FC236}">
-                <a16:creationId xmlns:a16="http://schemas.microsoft.com/office/drawing/2014/main" id="{BF1A0715-3C8C-3D3B-68AA-77DDABCCA3CF}"/>
+                <a16:creationId xmlns:a16="http://schemas.microsoft.com/office/drawing/2014/main" id="{D863446E-EA4F-877C-3EAC-7BBF7E87A833}"/>
               </a:ext>
             </a:extLst>
           </p:cNvPr>
@@ -1256,7 +1256,7 @@
           <p:cNvPr id="3" name="内容占位符 2">
             <a:extLst>
               <a:ext uri="{FF2B5EF4-FFF2-40B4-BE49-F238E27FC236}">
-                <a16:creationId xmlns:a16="http://schemas.microsoft.com/office/drawing/2014/main" id="{60F66C64-F75B-677E-7421-3871B02851C6}"/>
+                <a16:creationId xmlns:a16="http://schemas.microsoft.com/office/drawing/2014/main" id="{A42D6787-F97C-7AA6-6ADB-0BD91FADC962}"/>
               </a:ext>
             </a:extLst>
           </p:cNvPr>
@@ -1318,7 +1318,7 @@
           <p:cNvPr id="4" name="内容占位符 3">
             <a:extLst>
               <a:ext uri="{FF2B5EF4-FFF2-40B4-BE49-F238E27FC236}">
-                <a16:creationId xmlns:a16="http://schemas.microsoft.com/office/drawing/2014/main" id="{1D4E432F-2068-D725-89FB-8C8D0C4F2D3F}"/>
+                <a16:creationId xmlns:a16="http://schemas.microsoft.com/office/drawing/2014/main" id="{0F98DD05-519F-13F5-0448-C7F42F85EF98}"/>
               </a:ext>
             </a:extLst>
           </p:cNvPr>
@@ -1380,7 +1380,7 @@
           <p:cNvPr id="5" name="日期占位符 4">
             <a:extLst>
               <a:ext uri="{FF2B5EF4-FFF2-40B4-BE49-F238E27FC236}">
-                <a16:creationId xmlns:a16="http://schemas.microsoft.com/office/drawing/2014/main" id="{46A497C6-686D-EF14-64AC-D9D177A991F6}"/>
+                <a16:creationId xmlns:a16="http://schemas.microsoft.com/office/drawing/2014/main" id="{70BB3B86-36A8-66AD-CF13-3B4CAC4EC62B}"/>
               </a:ext>
             </a:extLst>
           </p:cNvPr>
@@ -1396,7 +1396,7 @@
           <a:bodyPr/>
           <a:lstStyle/>
           <a:p>
-            <a:fld id="{BFCCA5C0-13F2-4633-B1C1-90A182555697}" type="datetimeFigureOut">
+            <a:fld id="{92EAB62C-5985-4C87-A5AF-0329D2C498B9}" type="datetimeFigureOut">
               <a:rPr lang="zh-CN" altLang="en-US" smtClean="0"/>
               <a:t>2024/3/10</a:t>
             </a:fld>
@@ -1409,7 +1409,7 @@
           <p:cNvPr id="6" name="页脚占位符 5">
             <a:extLst>
               <a:ext uri="{FF2B5EF4-FFF2-40B4-BE49-F238E27FC236}">
-                <a16:creationId xmlns:a16="http://schemas.microsoft.com/office/drawing/2014/main" id="{673F2EB5-3F8C-FE47-E66E-3EBFA3C25461}"/>
+                <a16:creationId xmlns:a16="http://schemas.microsoft.com/office/drawing/2014/main" id="{BD1E077A-44BB-35DA-78BF-B453EDCF4CB8}"/>
               </a:ext>
             </a:extLst>
           </p:cNvPr>
@@ -1434,7 +1434,7 @@
           <p:cNvPr id="7" name="灯片编号占位符 6">
             <a:extLst>
               <a:ext uri="{FF2B5EF4-FFF2-40B4-BE49-F238E27FC236}">
-                <a16:creationId xmlns:a16="http://schemas.microsoft.com/office/drawing/2014/main" id="{37148A39-C072-DA4B-A59C-64EEF5BBFDAC}"/>
+                <a16:creationId xmlns:a16="http://schemas.microsoft.com/office/drawing/2014/main" id="{364E9735-7B96-683C-97D5-C4656461620D}"/>
               </a:ext>
             </a:extLst>
           </p:cNvPr>
@@ -1450,7 +1450,7 @@
           <a:bodyPr/>
           <a:lstStyle/>
           <a:p>
-            <a:fld id="{E6C5439E-298C-4C06-B5E6-D43B28260D19}" type="slidenum">
+            <a:fld id="{DA2DADE2-02A7-4DA8-8723-68D4EDD986E3}" type="slidenum">
               <a:rPr lang="zh-CN" altLang="en-US" smtClean="0"/>
               <a:t>‹#›</a:t>
             </a:fld>
@@ -1461,7 +1461,7 @@
     </p:spTree>
     <p:extLst>
       <p:ext uri="{BB962C8B-B14F-4D97-AF65-F5344CB8AC3E}">
-        <p14:creationId xmlns:p14="http://schemas.microsoft.com/office/powerpoint/2010/main" val="1509402357"/>
+        <p14:creationId xmlns:p14="http://schemas.microsoft.com/office/powerpoint/2010/main" val="2059348384"/>
       </p:ext>
     </p:extLst>
   </p:cSld>
@@ -1493,7 +1493,7 @@
           <p:cNvPr id="2" name="标题 1">
             <a:extLst>
               <a:ext uri="{FF2B5EF4-FFF2-40B4-BE49-F238E27FC236}">
-                <a16:creationId xmlns:a16="http://schemas.microsoft.com/office/drawing/2014/main" id="{AB26C365-7F18-2934-7C00-AB081E5FCC8A}"/>
+                <a16:creationId xmlns:a16="http://schemas.microsoft.com/office/drawing/2014/main" id="{74EE9221-B28E-6E97-8412-3E85D4039F2E}"/>
               </a:ext>
             </a:extLst>
           </p:cNvPr>
@@ -1526,7 +1526,7 @@
           <p:cNvPr id="3" name="文本占位符 2">
             <a:extLst>
               <a:ext uri="{FF2B5EF4-FFF2-40B4-BE49-F238E27FC236}">
-                <a16:creationId xmlns:a16="http://schemas.microsoft.com/office/drawing/2014/main" id="{BCD60D96-D88E-76E8-3008-3F1E9E093D18}"/>
+                <a16:creationId xmlns:a16="http://schemas.microsoft.com/office/drawing/2014/main" id="{79114C3F-37E2-3580-3A8E-28B714D2783B}"/>
               </a:ext>
             </a:extLst>
           </p:cNvPr>
@@ -1597,7 +1597,7 @@
           <p:cNvPr id="4" name="内容占位符 3">
             <a:extLst>
               <a:ext uri="{FF2B5EF4-FFF2-40B4-BE49-F238E27FC236}">
-                <a16:creationId xmlns:a16="http://schemas.microsoft.com/office/drawing/2014/main" id="{F3CF9766-91FA-37C7-8AED-84889F991DC3}"/>
+                <a16:creationId xmlns:a16="http://schemas.microsoft.com/office/drawing/2014/main" id="{57A99A3D-A53A-A900-50F5-DAEBE827CF33}"/>
               </a:ext>
             </a:extLst>
           </p:cNvPr>
@@ -1659,7 +1659,7 @@
           <p:cNvPr id="5" name="文本占位符 4">
             <a:extLst>
               <a:ext uri="{FF2B5EF4-FFF2-40B4-BE49-F238E27FC236}">
-                <a16:creationId xmlns:a16="http://schemas.microsoft.com/office/drawing/2014/main" id="{09C3F52F-8D14-ADA4-82D7-809BA17DC340}"/>
+                <a16:creationId xmlns:a16="http://schemas.microsoft.com/office/drawing/2014/main" id="{A2B26422-D9C5-C393-66D2-F6CDCF9B771D}"/>
               </a:ext>
             </a:extLst>
           </p:cNvPr>
@@ -1730,7 +1730,7 @@
           <p:cNvPr id="6" name="内容占位符 5">
             <a:extLst>
               <a:ext uri="{FF2B5EF4-FFF2-40B4-BE49-F238E27FC236}">
-                <a16:creationId xmlns:a16="http://schemas.microsoft.com/office/drawing/2014/main" id="{9458442E-EAAA-6334-DD2F-D90D144314A5}"/>
+                <a16:creationId xmlns:a16="http://schemas.microsoft.com/office/drawing/2014/main" id="{5E92F540-8C39-4B21-A763-549036524B89}"/>
               </a:ext>
             </a:extLst>
           </p:cNvPr>
@@ -1792,7 +1792,7 @@
           <p:cNvPr id="7" name="日期占位符 6">
             <a:extLst>
               <a:ext uri="{FF2B5EF4-FFF2-40B4-BE49-F238E27FC236}">
-                <a16:creationId xmlns:a16="http://schemas.microsoft.com/office/drawing/2014/main" id="{93BFDA86-5629-3C67-2C89-8D1CB5E8E99A}"/>
+                <a16:creationId xmlns:a16="http://schemas.microsoft.com/office/drawing/2014/main" id="{2E6D257C-D8D1-5D53-9697-C3F7049CC94D}"/>
               </a:ext>
             </a:extLst>
           </p:cNvPr>
@@ -1808,7 +1808,7 @@
           <a:bodyPr/>
           <a:lstStyle/>
           <a:p>
-            <a:fld id="{BFCCA5C0-13F2-4633-B1C1-90A182555697}" type="datetimeFigureOut">
+            <a:fld id="{92EAB62C-5985-4C87-A5AF-0329D2C498B9}" type="datetimeFigureOut">
               <a:rPr lang="zh-CN" altLang="en-US" smtClean="0"/>
               <a:t>2024/3/10</a:t>
             </a:fld>
@@ -1821,7 +1821,7 @@
           <p:cNvPr id="8" name="页脚占位符 7">
             <a:extLst>
               <a:ext uri="{FF2B5EF4-FFF2-40B4-BE49-F238E27FC236}">
-                <a16:creationId xmlns:a16="http://schemas.microsoft.com/office/drawing/2014/main" id="{F0113162-CD12-B454-B500-7D94D6CFA0FF}"/>
+                <a16:creationId xmlns:a16="http://schemas.microsoft.com/office/drawing/2014/main" id="{FAB7EA5D-BBD9-A5BE-185F-A9127EFD2C6E}"/>
               </a:ext>
             </a:extLst>
           </p:cNvPr>
@@ -1846,7 +1846,7 @@
           <p:cNvPr id="9" name="灯片编号占位符 8">
             <a:extLst>
               <a:ext uri="{FF2B5EF4-FFF2-40B4-BE49-F238E27FC236}">
-                <a16:creationId xmlns:a16="http://schemas.microsoft.com/office/drawing/2014/main" id="{BA3FA9FD-27C5-9DD3-07DB-DF3579FFE273}"/>
+                <a16:creationId xmlns:a16="http://schemas.microsoft.com/office/drawing/2014/main" id="{5BE8CB51-82F0-2511-0646-06E5AC9BE001}"/>
               </a:ext>
             </a:extLst>
           </p:cNvPr>
@@ -1862,7 +1862,7 @@
           <a:bodyPr/>
           <a:lstStyle/>
           <a:p>
-            <a:fld id="{E6C5439E-298C-4C06-B5E6-D43B28260D19}" type="slidenum">
+            <a:fld id="{DA2DADE2-02A7-4DA8-8723-68D4EDD986E3}" type="slidenum">
               <a:rPr lang="zh-CN" altLang="en-US" smtClean="0"/>
               <a:t>‹#›</a:t>
             </a:fld>
@@ -1873,7 +1873,7 @@
     </p:spTree>
     <p:extLst>
       <p:ext uri="{BB962C8B-B14F-4D97-AF65-F5344CB8AC3E}">
-        <p14:creationId xmlns:p14="http://schemas.microsoft.com/office/powerpoint/2010/main" val="3654911165"/>
+        <p14:creationId xmlns:p14="http://schemas.microsoft.com/office/powerpoint/2010/main" val="3025363183"/>
       </p:ext>
     </p:extLst>
   </p:cSld>
@@ -1905,7 +1905,7 @@
           <p:cNvPr id="2" name="标题 1">
             <a:extLst>
               <a:ext uri="{FF2B5EF4-FFF2-40B4-BE49-F238E27FC236}">
-                <a16:creationId xmlns:a16="http://schemas.microsoft.com/office/drawing/2014/main" id="{34238F06-1C42-879A-6F7C-908CF1A2196B}"/>
+                <a16:creationId xmlns:a16="http://schemas.microsoft.com/office/drawing/2014/main" id="{C2EAB628-CF05-7DE5-E9AD-9150447588C5}"/>
               </a:ext>
             </a:extLst>
           </p:cNvPr>
@@ -1933,7 +1933,7 @@
           <p:cNvPr id="3" name="日期占位符 2">
             <a:extLst>
               <a:ext uri="{FF2B5EF4-FFF2-40B4-BE49-F238E27FC236}">
-                <a16:creationId xmlns:a16="http://schemas.microsoft.com/office/drawing/2014/main" id="{057A53AE-D5AC-FB8B-9D94-307435B4CB69}"/>
+                <a16:creationId xmlns:a16="http://schemas.microsoft.com/office/drawing/2014/main" id="{91FE69FE-DC9E-4165-5097-33F1AE299E5D}"/>
               </a:ext>
             </a:extLst>
           </p:cNvPr>
@@ -1949,7 +1949,7 @@
           <a:bodyPr/>
           <a:lstStyle/>
           <a:p>
-            <a:fld id="{BFCCA5C0-13F2-4633-B1C1-90A182555697}" type="datetimeFigureOut">
+            <a:fld id="{92EAB62C-5985-4C87-A5AF-0329D2C498B9}" type="datetimeFigureOut">
               <a:rPr lang="zh-CN" altLang="en-US" smtClean="0"/>
               <a:t>2024/3/10</a:t>
             </a:fld>
@@ -1962,7 +1962,7 @@
           <p:cNvPr id="4" name="页脚占位符 3">
             <a:extLst>
               <a:ext uri="{FF2B5EF4-FFF2-40B4-BE49-F238E27FC236}">
-                <a16:creationId xmlns:a16="http://schemas.microsoft.com/office/drawing/2014/main" id="{A7551F7F-37E3-93D4-A32E-8134605FCFF5}"/>
+                <a16:creationId xmlns:a16="http://schemas.microsoft.com/office/drawing/2014/main" id="{8D1B92D1-CFC2-F2E2-62DE-6CB36561B1D9}"/>
               </a:ext>
             </a:extLst>
           </p:cNvPr>
@@ -1987,7 +1987,7 @@
           <p:cNvPr id="5" name="灯片编号占位符 4">
             <a:extLst>
               <a:ext uri="{FF2B5EF4-FFF2-40B4-BE49-F238E27FC236}">
-                <a16:creationId xmlns:a16="http://schemas.microsoft.com/office/drawing/2014/main" id="{901ADB9A-54D7-4113-BF06-65F94C788824}"/>
+                <a16:creationId xmlns:a16="http://schemas.microsoft.com/office/drawing/2014/main" id="{6131AA4F-4A37-ABA1-42F9-121607E7798A}"/>
               </a:ext>
             </a:extLst>
           </p:cNvPr>
@@ -2003,7 +2003,7 @@
           <a:bodyPr/>
           <a:lstStyle/>
           <a:p>
-            <a:fld id="{E6C5439E-298C-4C06-B5E6-D43B28260D19}" type="slidenum">
+            <a:fld id="{DA2DADE2-02A7-4DA8-8723-68D4EDD986E3}" type="slidenum">
               <a:rPr lang="zh-CN" altLang="en-US" smtClean="0"/>
               <a:t>‹#›</a:t>
             </a:fld>
@@ -2014,7 +2014,7 @@
     </p:spTree>
     <p:extLst>
       <p:ext uri="{BB962C8B-B14F-4D97-AF65-F5344CB8AC3E}">
-        <p14:creationId xmlns:p14="http://schemas.microsoft.com/office/powerpoint/2010/main" val="707800302"/>
+        <p14:creationId xmlns:p14="http://schemas.microsoft.com/office/powerpoint/2010/main" val="979070086"/>
       </p:ext>
     </p:extLst>
   </p:cSld>
@@ -2046,7 +2046,7 @@
           <p:cNvPr id="2" name="日期占位符 1">
             <a:extLst>
               <a:ext uri="{FF2B5EF4-FFF2-40B4-BE49-F238E27FC236}">
-                <a16:creationId xmlns:a16="http://schemas.microsoft.com/office/drawing/2014/main" id="{F8A7344B-B55E-DAB7-3C47-21039BD24939}"/>
+                <a16:creationId xmlns:a16="http://schemas.microsoft.com/office/drawing/2014/main" id="{64152EFE-6B65-BDEC-5FEA-2F73B898AE29}"/>
               </a:ext>
             </a:extLst>
           </p:cNvPr>
@@ -2062,7 +2062,7 @@
           <a:bodyPr/>
           <a:lstStyle/>
           <a:p>
-            <a:fld id="{BFCCA5C0-13F2-4633-B1C1-90A182555697}" type="datetimeFigureOut">
+            <a:fld id="{92EAB62C-5985-4C87-A5AF-0329D2C498B9}" type="datetimeFigureOut">
               <a:rPr lang="zh-CN" altLang="en-US" smtClean="0"/>
               <a:t>2024/3/10</a:t>
             </a:fld>
@@ -2075,7 +2075,7 @@
           <p:cNvPr id="3" name="页脚占位符 2">
             <a:extLst>
               <a:ext uri="{FF2B5EF4-FFF2-40B4-BE49-F238E27FC236}">
-                <a16:creationId xmlns:a16="http://schemas.microsoft.com/office/drawing/2014/main" id="{106DDF77-BD1D-8CBF-7941-17E2D761D70E}"/>
+                <a16:creationId xmlns:a16="http://schemas.microsoft.com/office/drawing/2014/main" id="{A8B75383-8B1E-1C93-1573-3281E4992308}"/>
               </a:ext>
             </a:extLst>
           </p:cNvPr>
@@ -2100,7 +2100,7 @@
           <p:cNvPr id="4" name="灯片编号占位符 3">
             <a:extLst>
               <a:ext uri="{FF2B5EF4-FFF2-40B4-BE49-F238E27FC236}">
-                <a16:creationId xmlns:a16="http://schemas.microsoft.com/office/drawing/2014/main" id="{AE7FDFCC-E14B-1C8F-84B9-509CD379C7EC}"/>
+                <a16:creationId xmlns:a16="http://schemas.microsoft.com/office/drawing/2014/main" id="{273BDE82-6DDA-AC63-D7D8-A74B141C1EDD}"/>
               </a:ext>
             </a:extLst>
           </p:cNvPr>
@@ -2116,7 +2116,7 @@
           <a:bodyPr/>
           <a:lstStyle/>
           <a:p>
-            <a:fld id="{E6C5439E-298C-4C06-B5E6-D43B28260D19}" type="slidenum">
+            <a:fld id="{DA2DADE2-02A7-4DA8-8723-68D4EDD986E3}" type="slidenum">
               <a:rPr lang="zh-CN" altLang="en-US" smtClean="0"/>
               <a:t>‹#›</a:t>
             </a:fld>
@@ -2127,7 +2127,7 @@
     </p:spTree>
     <p:extLst>
       <p:ext uri="{BB962C8B-B14F-4D97-AF65-F5344CB8AC3E}">
-        <p14:creationId xmlns:p14="http://schemas.microsoft.com/office/powerpoint/2010/main" val="2021451815"/>
+        <p14:creationId xmlns:p14="http://schemas.microsoft.com/office/powerpoint/2010/main" val="3205357905"/>
       </p:ext>
     </p:extLst>
   </p:cSld>
@@ -2159,7 +2159,7 @@
           <p:cNvPr id="2" name="标题 1">
             <a:extLst>
               <a:ext uri="{FF2B5EF4-FFF2-40B4-BE49-F238E27FC236}">
-                <a16:creationId xmlns:a16="http://schemas.microsoft.com/office/drawing/2014/main" id="{C47AD3F0-B554-FDD6-643D-0EC808E0EBA9}"/>
+                <a16:creationId xmlns:a16="http://schemas.microsoft.com/office/drawing/2014/main" id="{2E832078-80E2-0284-05CC-75B01D4AB5B7}"/>
               </a:ext>
             </a:extLst>
           </p:cNvPr>
@@ -2196,7 +2196,7 @@
           <p:cNvPr id="3" name="内容占位符 2">
             <a:extLst>
               <a:ext uri="{FF2B5EF4-FFF2-40B4-BE49-F238E27FC236}">
-                <a16:creationId xmlns:a16="http://schemas.microsoft.com/office/drawing/2014/main" id="{44FB459D-35BD-30F8-6339-B23988C367C9}"/>
+                <a16:creationId xmlns:a16="http://schemas.microsoft.com/office/drawing/2014/main" id="{578BB191-EE3F-FB31-92EC-61F8939B22CF}"/>
               </a:ext>
             </a:extLst>
           </p:cNvPr>
@@ -2286,7 +2286,7 @@
           <p:cNvPr id="4" name="文本占位符 3">
             <a:extLst>
               <a:ext uri="{FF2B5EF4-FFF2-40B4-BE49-F238E27FC236}">
-                <a16:creationId xmlns:a16="http://schemas.microsoft.com/office/drawing/2014/main" id="{129E04BE-B19A-6EF7-0A21-508E6B342CBD}"/>
+                <a16:creationId xmlns:a16="http://schemas.microsoft.com/office/drawing/2014/main" id="{C86040D2-B738-2373-5D73-3E02B117A560}"/>
               </a:ext>
             </a:extLst>
           </p:cNvPr>
@@ -2357,7 +2357,7 @@
           <p:cNvPr id="5" name="日期占位符 4">
             <a:extLst>
               <a:ext uri="{FF2B5EF4-FFF2-40B4-BE49-F238E27FC236}">
-                <a16:creationId xmlns:a16="http://schemas.microsoft.com/office/drawing/2014/main" id="{80DACE2F-B95D-239D-3ACE-B6B10FCBDBFA}"/>
+                <a16:creationId xmlns:a16="http://schemas.microsoft.com/office/drawing/2014/main" id="{312ABD0E-E1F5-AA7C-0D40-49C39A5A0609}"/>
               </a:ext>
             </a:extLst>
           </p:cNvPr>
@@ -2373,7 +2373,7 @@
           <a:bodyPr/>
           <a:lstStyle/>
           <a:p>
-            <a:fld id="{BFCCA5C0-13F2-4633-B1C1-90A182555697}" type="datetimeFigureOut">
+            <a:fld id="{92EAB62C-5985-4C87-A5AF-0329D2C498B9}" type="datetimeFigureOut">
               <a:rPr lang="zh-CN" altLang="en-US" smtClean="0"/>
               <a:t>2024/3/10</a:t>
             </a:fld>
@@ -2386,7 +2386,7 @@
           <p:cNvPr id="6" name="页脚占位符 5">
             <a:extLst>
               <a:ext uri="{FF2B5EF4-FFF2-40B4-BE49-F238E27FC236}">
-                <a16:creationId xmlns:a16="http://schemas.microsoft.com/office/drawing/2014/main" id="{142D3441-5062-6F8C-93B1-E82E1DD5CC83}"/>
+                <a16:creationId xmlns:a16="http://schemas.microsoft.com/office/drawing/2014/main" id="{E7ED967E-3577-624A-B90C-7293545A3266}"/>
               </a:ext>
             </a:extLst>
           </p:cNvPr>
@@ -2411,7 +2411,7 @@
           <p:cNvPr id="7" name="灯片编号占位符 6">
             <a:extLst>
               <a:ext uri="{FF2B5EF4-FFF2-40B4-BE49-F238E27FC236}">
-                <a16:creationId xmlns:a16="http://schemas.microsoft.com/office/drawing/2014/main" id="{9A2536FD-312B-6804-5EBA-F6B6637EC695}"/>
+                <a16:creationId xmlns:a16="http://schemas.microsoft.com/office/drawing/2014/main" id="{ED2FAD5B-DA7F-4749-3EA3-B1EC43598CFF}"/>
               </a:ext>
             </a:extLst>
           </p:cNvPr>
@@ -2427,7 +2427,7 @@
           <a:bodyPr/>
           <a:lstStyle/>
           <a:p>
-            <a:fld id="{E6C5439E-298C-4C06-B5E6-D43B28260D19}" type="slidenum">
+            <a:fld id="{DA2DADE2-02A7-4DA8-8723-68D4EDD986E3}" type="slidenum">
               <a:rPr lang="zh-CN" altLang="en-US" smtClean="0"/>
               <a:t>‹#›</a:t>
             </a:fld>
@@ -2438,7 +2438,7 @@
     </p:spTree>
     <p:extLst>
       <p:ext uri="{BB962C8B-B14F-4D97-AF65-F5344CB8AC3E}">
-        <p14:creationId xmlns:p14="http://schemas.microsoft.com/office/powerpoint/2010/main" val="1823018236"/>
+        <p14:creationId xmlns:p14="http://schemas.microsoft.com/office/powerpoint/2010/main" val="2779200721"/>
       </p:ext>
     </p:extLst>
   </p:cSld>
@@ -2470,7 +2470,7 @@
           <p:cNvPr id="2" name="标题 1">
             <a:extLst>
               <a:ext uri="{FF2B5EF4-FFF2-40B4-BE49-F238E27FC236}">
-                <a16:creationId xmlns:a16="http://schemas.microsoft.com/office/drawing/2014/main" id="{2A598B2E-78FC-163B-17A4-8C06CA411381}"/>
+                <a16:creationId xmlns:a16="http://schemas.microsoft.com/office/drawing/2014/main" id="{1297F2AB-E2E5-E4C1-6578-86B4F6723AA4}"/>
               </a:ext>
             </a:extLst>
           </p:cNvPr>
@@ -2507,7 +2507,7 @@
           <p:cNvPr id="3" name="图片占位符 2">
             <a:extLst>
               <a:ext uri="{FF2B5EF4-FFF2-40B4-BE49-F238E27FC236}">
-                <a16:creationId xmlns:a16="http://schemas.microsoft.com/office/drawing/2014/main" id="{211428E1-915B-F05E-C4B1-BA1D7D0A0A74}"/>
+                <a16:creationId xmlns:a16="http://schemas.microsoft.com/office/drawing/2014/main" id="{D5C5B0BC-3B15-6AAD-098E-6D658F92D997}"/>
               </a:ext>
             </a:extLst>
           </p:cNvPr>
@@ -2574,7 +2574,7 @@
           <p:cNvPr id="4" name="文本占位符 3">
             <a:extLst>
               <a:ext uri="{FF2B5EF4-FFF2-40B4-BE49-F238E27FC236}">
-                <a16:creationId xmlns:a16="http://schemas.microsoft.com/office/drawing/2014/main" id="{96656222-6136-EE7D-5F93-DE54EB9A0D4A}"/>
+                <a16:creationId xmlns:a16="http://schemas.microsoft.com/office/drawing/2014/main" id="{91BC0483-495B-1239-6E13-F4FA7BD9FBE9}"/>
               </a:ext>
             </a:extLst>
           </p:cNvPr>
@@ -2645,7 +2645,7 @@
           <p:cNvPr id="5" name="日期占位符 4">
             <a:extLst>
               <a:ext uri="{FF2B5EF4-FFF2-40B4-BE49-F238E27FC236}">
-                <a16:creationId xmlns:a16="http://schemas.microsoft.com/office/drawing/2014/main" id="{9ED215EE-B848-3472-08D0-8DECDC043788}"/>
+                <a16:creationId xmlns:a16="http://schemas.microsoft.com/office/drawing/2014/main" id="{67D763CD-161B-00B0-1D18-467208131D91}"/>
               </a:ext>
             </a:extLst>
           </p:cNvPr>
@@ -2661,7 +2661,7 @@
           <a:bodyPr/>
           <a:lstStyle/>
           <a:p>
-            <a:fld id="{BFCCA5C0-13F2-4633-B1C1-90A182555697}" type="datetimeFigureOut">
+            <a:fld id="{92EAB62C-5985-4C87-A5AF-0329D2C498B9}" type="datetimeFigureOut">
               <a:rPr lang="zh-CN" altLang="en-US" smtClean="0"/>
               <a:t>2024/3/10</a:t>
             </a:fld>
@@ -2674,7 +2674,7 @@
           <p:cNvPr id="6" name="页脚占位符 5">
             <a:extLst>
               <a:ext uri="{FF2B5EF4-FFF2-40B4-BE49-F238E27FC236}">
-                <a16:creationId xmlns:a16="http://schemas.microsoft.com/office/drawing/2014/main" id="{A2DEC1CD-28B6-9FC5-CF12-3FCC9E94AA4B}"/>
+                <a16:creationId xmlns:a16="http://schemas.microsoft.com/office/drawing/2014/main" id="{5377CCFC-B5FB-8A52-8EF0-22895EA21C15}"/>
               </a:ext>
             </a:extLst>
           </p:cNvPr>
@@ -2699,7 +2699,7 @@
           <p:cNvPr id="7" name="灯片编号占位符 6">
             <a:extLst>
               <a:ext uri="{FF2B5EF4-FFF2-40B4-BE49-F238E27FC236}">
-                <a16:creationId xmlns:a16="http://schemas.microsoft.com/office/drawing/2014/main" id="{B6EF5576-B135-274C-0674-B86358609668}"/>
+                <a16:creationId xmlns:a16="http://schemas.microsoft.com/office/drawing/2014/main" id="{081CED9A-F056-AD06-2ED9-345F23CE1572}"/>
               </a:ext>
             </a:extLst>
           </p:cNvPr>
@@ -2715,7 +2715,7 @@
           <a:bodyPr/>
           <a:lstStyle/>
           <a:p>
-            <a:fld id="{E6C5439E-298C-4C06-B5E6-D43B28260D19}" type="slidenum">
+            <a:fld id="{DA2DADE2-02A7-4DA8-8723-68D4EDD986E3}" type="slidenum">
               <a:rPr lang="zh-CN" altLang="en-US" smtClean="0"/>
               <a:t>‹#›</a:t>
             </a:fld>
@@ -2726,7 +2726,7 @@
     </p:spTree>
     <p:extLst>
       <p:ext uri="{BB962C8B-B14F-4D97-AF65-F5344CB8AC3E}">
-        <p14:creationId xmlns:p14="http://schemas.microsoft.com/office/powerpoint/2010/main" val="450002662"/>
+        <p14:creationId xmlns:p14="http://schemas.microsoft.com/office/powerpoint/2010/main" val="2320746452"/>
       </p:ext>
     </p:extLst>
   </p:cSld>
@@ -2763,7 +2763,7 @@
           <p:cNvPr id="2" name="标题占位符 1">
             <a:extLst>
               <a:ext uri="{FF2B5EF4-FFF2-40B4-BE49-F238E27FC236}">
-                <a16:creationId xmlns:a16="http://schemas.microsoft.com/office/drawing/2014/main" id="{14D63E35-DC82-A76C-F5B2-741981A6303E}"/>
+                <a16:creationId xmlns:a16="http://schemas.microsoft.com/office/drawing/2014/main" id="{99A3A6DA-BC30-C300-3EBA-49466DD2E19A}"/>
               </a:ext>
             </a:extLst>
           </p:cNvPr>
@@ -2801,7 +2801,7 @@
           <p:cNvPr id="3" name="文本占位符 2">
             <a:extLst>
               <a:ext uri="{FF2B5EF4-FFF2-40B4-BE49-F238E27FC236}">
-                <a16:creationId xmlns:a16="http://schemas.microsoft.com/office/drawing/2014/main" id="{9FE9B871-C08F-B707-7745-7A7E46CFA8B9}"/>
+                <a16:creationId xmlns:a16="http://schemas.microsoft.com/office/drawing/2014/main" id="{F8E72E25-533E-A150-6C2A-ED069FF6943A}"/>
               </a:ext>
             </a:extLst>
           </p:cNvPr>
@@ -2868,7 +2868,7 @@
           <p:cNvPr id="4" name="日期占位符 3">
             <a:extLst>
               <a:ext uri="{FF2B5EF4-FFF2-40B4-BE49-F238E27FC236}">
-                <a16:creationId xmlns:a16="http://schemas.microsoft.com/office/drawing/2014/main" id="{646D3B87-1957-AEC7-B1BF-D8B5F43221D1}"/>
+                <a16:creationId xmlns:a16="http://schemas.microsoft.com/office/drawing/2014/main" id="{49F7F7EF-36A1-F9DC-1537-6880F6319CAA}"/>
               </a:ext>
             </a:extLst>
           </p:cNvPr>
@@ -2902,7 +2902,7 @@
             </a:lvl1pPr>
           </a:lstStyle>
           <a:p>
-            <a:fld id="{BFCCA5C0-13F2-4633-B1C1-90A182555697}" type="datetimeFigureOut">
+            <a:fld id="{92EAB62C-5985-4C87-A5AF-0329D2C498B9}" type="datetimeFigureOut">
               <a:rPr lang="zh-CN" altLang="en-US" smtClean="0"/>
               <a:t>2024/3/10</a:t>
             </a:fld>
@@ -2915,7 +2915,7 @@
           <p:cNvPr id="5" name="页脚占位符 4">
             <a:extLst>
               <a:ext uri="{FF2B5EF4-FFF2-40B4-BE49-F238E27FC236}">
-                <a16:creationId xmlns:a16="http://schemas.microsoft.com/office/drawing/2014/main" id="{DD45D8EC-2313-0345-0907-36DACDEA12F3}"/>
+                <a16:creationId xmlns:a16="http://schemas.microsoft.com/office/drawing/2014/main" id="{D27018BE-EA10-3079-C73F-3A5F7C5A8684}"/>
               </a:ext>
             </a:extLst>
           </p:cNvPr>
@@ -2958,7 +2958,7 @@
           <p:cNvPr id="6" name="灯片编号占位符 5">
             <a:extLst>
               <a:ext uri="{FF2B5EF4-FFF2-40B4-BE49-F238E27FC236}">
-                <a16:creationId xmlns:a16="http://schemas.microsoft.com/office/drawing/2014/main" id="{AF72EA42-A728-0620-E0FA-C98D9E007605}"/>
+                <a16:creationId xmlns:a16="http://schemas.microsoft.com/office/drawing/2014/main" id="{AF3ADC78-B74A-3871-EE13-656F0120DFC4}"/>
               </a:ext>
             </a:extLst>
           </p:cNvPr>
@@ -2992,7 +2992,7 @@
             </a:lvl1pPr>
           </a:lstStyle>
           <a:p>
-            <a:fld id="{E6C5439E-298C-4C06-B5E6-D43B28260D19}" type="slidenum">
+            <a:fld id="{DA2DADE2-02A7-4DA8-8723-68D4EDD986E3}" type="slidenum">
               <a:rPr lang="zh-CN" altLang="en-US" smtClean="0"/>
               <a:t>‹#›</a:t>
             </a:fld>
@@ -3003,7 +3003,7 @@
     </p:spTree>
     <p:extLst>
       <p:ext uri="{BB962C8B-B14F-4D97-AF65-F5344CB8AC3E}">
-        <p14:creationId xmlns:p14="http://schemas.microsoft.com/office/powerpoint/2010/main" val="3417532326"/>
+        <p14:creationId xmlns:p14="http://schemas.microsoft.com/office/powerpoint/2010/main" val="2524644641"/>
       </p:ext>
     </p:extLst>
   </p:cSld>
@@ -3323,7 +3323,7 @@
       </p:grpSpPr>
       <p:pic>
         <p:nvPicPr>
-          <p:cNvPr id="1538050" name="Picture 2" descr="1501"/>
+          <p:cNvPr id="1539074" name="Picture 2" descr="1502"/>
           <p:cNvPicPr>
             <a:picLocks noChangeAspect="1" noChangeArrowheads="1"/>
           </p:cNvPicPr>
@@ -3344,8 +3344,8 @@
         </p:blipFill>
         <p:spPr bwMode="auto">
           <a:xfrm>
-            <a:off x="1524000" y="14288"/>
-            <a:ext cx="9124950" cy="6843712"/>
+            <a:off x="1524000" y="0"/>
+            <a:ext cx="9144000" cy="6858000"/>
           </a:xfrm>
           <a:prstGeom prst="rect">
             <a:avLst/>
@@ -3375,11 +3375,158 @@
           </a:extLst>
         </p:spPr>
       </p:pic>
+      <p:pic>
+        <p:nvPicPr>
+          <p:cNvPr id="1540099" name="Picture 3" descr="1502-2"/>
+          <p:cNvPicPr>
+            <a:picLocks noChangeAspect="1" noChangeArrowheads="1"/>
+          </p:cNvPicPr>
+          <p:nvPr/>
+        </p:nvPicPr>
+        <p:blipFill>
+          <a:blip r:embed="rId3">
+            <a:extLst>
+              <a:ext uri="{28A0092B-C50C-407E-A947-70E740481C1C}">
+                <a14:useLocalDpi xmlns:a14="http://schemas.microsoft.com/office/drawing/2010/main" val="0"/>
+              </a:ext>
+            </a:extLst>
+          </a:blip>
+          <a:srcRect/>
+          <a:stretch>
+            <a:fillRect/>
+          </a:stretch>
+        </p:blipFill>
+        <p:spPr bwMode="auto">
+          <a:xfrm>
+            <a:off x="1560513" y="-14288"/>
+            <a:ext cx="9144000" cy="6900863"/>
+          </a:xfrm>
+          <a:prstGeom prst="rect">
+            <a:avLst/>
+          </a:prstGeom>
+          <a:noFill/>
+          <a:ln>
+            <a:noFill/>
+          </a:ln>
+          <a:effectLst/>
+          <a:extLst>
+            <a:ext uri="{909E8E84-426E-40DD-AFC4-6F175D3DCCD1}">
+              <a14:hiddenFill xmlns:a14="http://schemas.microsoft.com/office/drawing/2010/main">
+                <a:solidFill>
+                  <a:srgbClr val="FFFFFF"/>
+                </a:solidFill>
+              </a14:hiddenFill>
+            </a:ext>
+            <a:ext uri="{91240B29-F687-4F45-9708-019B960494DF}">
+              <a14:hiddenLine xmlns:a14="http://schemas.microsoft.com/office/drawing/2010/main" w="9525">
+                <a:solidFill>
+                  <a:srgbClr val="000000"/>
+                </a:solidFill>
+                <a:miter lim="800000"/>
+                <a:headEnd/>
+                <a:tailEnd/>
+              </a14:hiddenLine>
+            </a:ext>
+            <a:ext uri="{AF507438-7753-43E0-B8FC-AC1667EBCBE1}">
+              <a14:hiddenEffects xmlns:a14="http://schemas.microsoft.com/office/drawing/2010/main">
+                <a:effectLst>
+                  <a:outerShdw dist="35921" dir="2700000" algn="ctr" rotWithShape="0">
+                    <a:srgbClr val="808080"/>
+                  </a:outerShdw>
+                </a:effectLst>
+              </a14:hiddenEffects>
+            </a:ext>
+          </a:extLst>
+        </p:spPr>
+      </p:pic>
     </p:spTree>
   </p:cSld>
   <p:clrMapOvr>
     <a:masterClrMapping/>
   </p:clrMapOvr>
+  <p:timing>
+    <p:tnLst>
+      <p:par>
+        <p:cTn id="1" dur="indefinite" restart="never" nodeType="tmRoot">
+          <p:childTnLst>
+            <p:seq concurrent="1" nextAc="seek">
+              <p:cTn id="2" dur="indefinite" nodeType="mainSeq">
+                <p:childTnLst>
+                  <p:par>
+                    <p:cTn id="3" fill="hold" nodeType="clickPar">
+                      <p:stCondLst>
+                        <p:cond delay="indefinite"/>
+                      </p:stCondLst>
+                      <p:childTnLst>
+                        <p:par>
+                          <p:cTn id="4" fill="hold" nodeType="withGroup">
+                            <p:stCondLst>
+                              <p:cond delay="0"/>
+                            </p:stCondLst>
+                            <p:childTnLst>
+                              <p:par>
+                                <p:cTn id="5" presetID="10" presetClass="entr" presetSubtype="0" fill="hold" nodeType="clickEffect">
+                                  <p:stCondLst>
+                                    <p:cond delay="0"/>
+                                  </p:stCondLst>
+                                  <p:childTnLst>
+                                    <p:set>
+                                      <p:cBhvr>
+                                        <p:cTn id="6" dur="1" fill="hold">
+                                          <p:stCondLst>
+                                            <p:cond delay="0"/>
+                                          </p:stCondLst>
+                                        </p:cTn>
+                                        <p:tgtEl>
+                                          <p:spTgt spid="1540099"/>
+                                        </p:tgtEl>
+                                        <p:attrNameLst>
+                                          <p:attrName>style.visibility</p:attrName>
+                                        </p:attrNameLst>
+                                      </p:cBhvr>
+                                      <p:to>
+                                        <p:strVal val="visible"/>
+                                      </p:to>
+                                    </p:set>
+                                    <p:animEffect transition="in" filter="fade">
+                                      <p:cBhvr>
+                                        <p:cTn id="7" dur="500"/>
+                                        <p:tgtEl>
+                                          <p:spTgt spid="1540099"/>
+                                        </p:tgtEl>
+                                      </p:cBhvr>
+                                    </p:animEffect>
+                                  </p:childTnLst>
+                                </p:cTn>
+                              </p:par>
+                            </p:childTnLst>
+                          </p:cTn>
+                        </p:par>
+                      </p:childTnLst>
+                    </p:cTn>
+                  </p:par>
+                </p:childTnLst>
+              </p:cTn>
+              <p:prevCondLst>
+                <p:cond evt="onPrev" delay="0">
+                  <p:tgtEl>
+                    <p:sldTgt/>
+                  </p:tgtEl>
+                </p:cond>
+              </p:prevCondLst>
+              <p:nextCondLst>
+                <p:cond evt="onNext" delay="0">
+                  <p:tgtEl>
+                    <p:sldTgt/>
+                  </p:tgtEl>
+                </p:cond>
+              </p:nextCondLst>
+            </p:seq>
+          </p:childTnLst>
+        </p:cTn>
+      </p:par>
+    </p:tnLst>
+  </p:timing>
 </p:sld>
 </file>
 
